--- a/Slides/ch1_BasicsAndObjects.pptx
+++ b/Slides/ch1_BasicsAndObjects.pptx
@@ -14130,7 +14130,7 @@
         <p:spPr>
           <a:xfrm>
             <a:off x="494522" y="2026718"/>
-            <a:ext cx="11116286" cy="3785652"/>
+            <a:ext cx="11116286" cy="1477328"/>
           </a:xfrm>
           <a:prstGeom prst="rect">
             <a:avLst/>
@@ -14143,74 +14143,44 @@
           </a:bodyPr>
           <a:lstStyle/>
           <a:p>
-            <a:pPr marL="457200" indent="-457200">
-              <a:buFont typeface="+mj-lt"/>
-              <a:buAutoNum type="arabicPeriod"/>
+            <a:r>
+              <a:rPr lang="en-US" sz="2400" dirty="0">
+                <a:solidFill>
+                  <a:srgbClr val="903163"/>
+                </a:solidFill>
+              </a:rPr>
+              <a:t>1</a:t>
+            </a:r>
+            <a:r>
+              <a:rPr lang="en-US" sz="2400" dirty="0"/>
+              <a:t>.	What is the difference between JVM, JRE, and JDK?</a:t>
+            </a:r>
+          </a:p>
+          <a:p>
+            <a:endParaRPr lang="en-US" sz="2400" dirty="0"/>
+          </a:p>
+          <a:p>
+            <a:pPr marL="0" indent="0">
+              <a:buNone/>
             </a:pPr>
             <a:r>
+              <a:rPr lang="en-US" sz="2400" dirty="0">
+                <a:solidFill>
+                  <a:srgbClr val="903163"/>
+                </a:solidFill>
+              </a:rPr>
+              <a:t>2.</a:t>
+            </a:r>
+            <a:r>
               <a:rPr lang="en-US" sz="2400" dirty="0"/>
-              <a:t>Difference between JVM, JRE, and JDK:  </a:t>
-            </a:r>
-          </a:p>
-          <a:p>
-            <a:pPr lvl="1"/>
-            <a:r>
-              <a:rPr lang="en-US" sz="2400" dirty="0"/>
-              <a:t>   - JVM: Executes Java bytecode. Platform-dependent runtime engine.  </a:t>
-            </a:r>
-          </a:p>
-          <a:p>
-            <a:pPr lvl="1"/>
-            <a:r>
-              <a:rPr lang="en-US" sz="2400" dirty="0"/>
-              <a:t>   - JRE: Includes JVM + libraries to run Java applications. Used by end-users.  </a:t>
-            </a:r>
-          </a:p>
-          <a:p>
-            <a:pPr lvl="1"/>
-            <a:r>
-              <a:rPr lang="en-US" sz="2400" dirty="0"/>
-              <a:t>   - JDK: Includes JRE + development tools (e.g., `</a:t>
-            </a:r>
-            <a:r>
-              <a:rPr lang="en-US" sz="2400" dirty="0" err="1"/>
-              <a:t>javac</a:t>
-            </a:r>
-            <a:r>
-              <a:rPr lang="en-US" sz="2400" dirty="0"/>
-              <a:t>`, debugger). Used by developers.  </a:t>
-            </a:r>
-          </a:p>
-          <a:p>
-            <a:endParaRPr lang="en-US" sz="2400" dirty="0"/>
-          </a:p>
-          <a:p>
-            <a:r>
-              <a:rPr lang="en-US" sz="2400" dirty="0"/>
-              <a:t>2.	Java Program Execution Process:  </a:t>
-            </a:r>
-          </a:p>
-          <a:p>
-            <a:pPr lvl="1"/>
-            <a:r>
-              <a:rPr lang="en-US" sz="2400" dirty="0"/>
-              <a:t>   - Write `.java` file → Compile with `</a:t>
-            </a:r>
-            <a:r>
-              <a:rPr lang="en-US" sz="2400" dirty="0" err="1"/>
-              <a:t>javac</a:t>
-            </a:r>
-            <a:r>
-              <a:rPr lang="en-US" sz="2400" dirty="0"/>
-              <a:t>` → Generate `.class` (bytecode) → JVM loads, verifies, and executes bytecode.  </a:t>
-            </a:r>
-          </a:p>
-          <a:p>
-            <a:pPr lvl="1"/>
-            <a:r>
-              <a:rPr lang="en-US" sz="2400" dirty="0"/>
-              <a:t>   - Key Steps: Compilation → Loading → Verification → Execution → Output.</a:t>
-            </a:r>
+              <a:t>	Explain Java Program Execution Process.  </a:t>
+            </a:r>
+          </a:p>
+          <a:p>
+            <a:pPr marL="0" indent="0">
+              <a:buNone/>
+            </a:pPr>
+            <a:endParaRPr lang="en-US" dirty="0"/>
           </a:p>
         </p:txBody>
       </p:sp>
@@ -14336,414 +14306,90 @@
           </a:bodyPr>
           <a:lstStyle/>
           <a:p>
-            <a:pPr marL="342900" indent="-342900">
+            <a:pPr marL="457200" indent="-457200">
               <a:buFont typeface="+mj-lt"/>
               <a:buAutoNum type="arabicPeriod"/>
             </a:pPr>
             <a:r>
-              <a:rPr lang="en-US" dirty="0">
-                <a:solidFill>
-                  <a:srgbClr val="FF0000"/>
-                </a:solidFill>
-              </a:rPr>
-              <a:t>Compile Error </a:t>
-            </a:r>
-            <a:r>
-              <a:rPr lang="en-US" dirty="0"/>
-              <a:t>occurs: Java checks each .java file at compile time and expects the public class name to be the same as the file name. Otherwise, the class cannot be found and processed correctly.</a:t>
-            </a:r>
-          </a:p>
-          <a:p>
-            <a:pPr marL="342900" indent="-342900">
-              <a:buFont typeface="+mj-lt"/>
-              <a:buAutoNum type="arabicPeriod"/>
-            </a:pPr>
-            <a:r>
-              <a:rPr lang="en-US" dirty="0">
-                <a:solidFill>
-                  <a:srgbClr val="FF0000"/>
-                </a:solidFill>
-              </a:rPr>
-              <a:t>No</a:t>
-            </a:r>
-            <a:r>
-              <a:rPr lang="en-US" dirty="0"/>
-              <a:t>: The compiler needs to know which class to consider as the main file.  As a result, the compiler gives a file naming error. But </a:t>
-            </a:r>
-            <a:r>
-              <a:rPr lang="en-US" dirty="0">
-                <a:solidFill>
-                  <a:srgbClr val="00B050"/>
-                </a:solidFill>
-              </a:rPr>
-              <a:t>Java allows more than one non-public class in a file.</a:t>
-            </a:r>
-            <a:br>
-              <a:rPr lang="en-US" dirty="0">
-                <a:solidFill>
-                  <a:srgbClr val="00B050"/>
-                </a:solidFill>
-              </a:rPr>
-            </a:br>
-            <a:br>
-              <a:rPr lang="en-US" dirty="0">
-                <a:solidFill>
-                  <a:srgbClr val="00B050"/>
-                </a:solidFill>
-              </a:rPr>
-            </a:br>
-            <a:r>
-              <a:rPr lang="en-US" sz="1400" dirty="0">
-                <a:solidFill>
-                  <a:srgbClr val="FF0000"/>
-                </a:solidFill>
-                <a:effectLst/>
-              </a:rPr>
-              <a:t>public</a:t>
-            </a:r>
-            <a:r>
-              <a:rPr lang="en-US" sz="1400" dirty="0">
-                <a:solidFill>
-                  <a:schemeClr val="tx1"/>
-                </a:solidFill>
-                <a:effectLst/>
-              </a:rPr>
-              <a:t> class </a:t>
-            </a:r>
-            <a:r>
-              <a:rPr lang="en-US" sz="1400" dirty="0" err="1">
-                <a:solidFill>
-                  <a:schemeClr val="tx1"/>
-                </a:solidFill>
-                <a:effectLst/>
-              </a:rPr>
-              <a:t>MainClass</a:t>
-            </a:r>
-            <a:r>
-              <a:rPr lang="en-US" sz="1400" dirty="0">
-                <a:solidFill>
-                  <a:schemeClr val="tx1"/>
-                </a:solidFill>
-                <a:effectLst/>
-              </a:rPr>
-              <a:t> {</a:t>
-            </a:r>
-            <a:br>
-              <a:rPr lang="en-US" sz="1400" dirty="0">
-                <a:solidFill>
-                  <a:schemeClr val="tx1"/>
-                </a:solidFill>
-                <a:effectLst/>
-              </a:rPr>
-            </a:br>
-            <a:r>
-              <a:rPr lang="en-US" sz="1400" dirty="0">
-                <a:solidFill>
-                  <a:schemeClr val="tx1"/>
-                </a:solidFill>
-                <a:effectLst/>
-              </a:rPr>
-              <a:t>    public static void main(String[] </a:t>
-            </a:r>
-            <a:r>
-              <a:rPr lang="en-US" sz="1400" dirty="0" err="1">
-                <a:solidFill>
-                  <a:schemeClr val="tx1"/>
-                </a:solidFill>
-                <a:effectLst/>
-              </a:rPr>
-              <a:t>args</a:t>
-            </a:r>
-            <a:r>
-              <a:rPr lang="en-US" sz="1400" dirty="0">
-                <a:solidFill>
-                  <a:schemeClr val="tx1"/>
-                </a:solidFill>
-                <a:effectLst/>
-              </a:rPr>
-              <a:t>) {</a:t>
-            </a:r>
-            <a:br>
-              <a:rPr lang="en-US" sz="1400" dirty="0">
-                <a:solidFill>
-                  <a:schemeClr val="tx1"/>
-                </a:solidFill>
-                <a:effectLst/>
-              </a:rPr>
-            </a:br>
-            <a:r>
-              <a:rPr lang="en-US" sz="1400" dirty="0">
-                <a:solidFill>
-                  <a:schemeClr val="tx1"/>
-                </a:solidFill>
-                <a:effectLst/>
-              </a:rPr>
-              <a:t>        </a:t>
-            </a:r>
-            <a:r>
-              <a:rPr lang="en-US" sz="1400" dirty="0" err="1">
-                <a:solidFill>
-                  <a:schemeClr val="tx1"/>
-                </a:solidFill>
-                <a:effectLst/>
-              </a:rPr>
-              <a:t>HelperClass.</a:t>
-            </a:r>
-            <a:r>
-              <a:rPr lang="en-US" sz="1400" i="1" dirty="0" err="1">
-                <a:solidFill>
-                  <a:schemeClr val="tx1"/>
-                </a:solidFill>
-                <a:effectLst/>
-              </a:rPr>
-              <a:t>sayHello</a:t>
-            </a:r>
-            <a:r>
-              <a:rPr lang="en-US" sz="1400" dirty="0">
-                <a:solidFill>
-                  <a:schemeClr val="tx1"/>
-                </a:solidFill>
-                <a:effectLst/>
-              </a:rPr>
-              <a:t>();</a:t>
-            </a:r>
-            <a:br>
-              <a:rPr lang="en-US" sz="1400" dirty="0">
-                <a:solidFill>
-                  <a:schemeClr val="tx1"/>
-                </a:solidFill>
-                <a:effectLst/>
-              </a:rPr>
-            </a:br>
-            <a:r>
-              <a:rPr lang="en-US" sz="1400" dirty="0">
-                <a:solidFill>
-                  <a:schemeClr val="tx1"/>
-                </a:solidFill>
-                <a:effectLst/>
-              </a:rPr>
-              <a:t>    }</a:t>
-            </a:r>
-            <a:br>
-              <a:rPr lang="en-US" sz="1400" dirty="0">
-                <a:solidFill>
-                  <a:schemeClr val="tx1"/>
-                </a:solidFill>
-                <a:effectLst/>
-              </a:rPr>
-            </a:br>
-            <a:r>
-              <a:rPr lang="en-US" sz="1400" dirty="0">
-                <a:solidFill>
-                  <a:schemeClr val="tx1"/>
-                </a:solidFill>
-                <a:effectLst/>
-              </a:rPr>
-              <a:t>}</a:t>
-            </a:r>
-            <a:br>
-              <a:rPr lang="en-US" sz="1400" dirty="0">
-                <a:solidFill>
-                  <a:schemeClr val="tx1"/>
-                </a:solidFill>
-                <a:effectLst/>
-              </a:rPr>
-            </a:br>
-            <a:r>
-              <a:rPr lang="en-US" sz="1400" dirty="0">
-                <a:solidFill>
-                  <a:schemeClr val="tx1"/>
-                </a:solidFill>
-                <a:effectLst/>
-              </a:rPr>
-              <a:t>class </a:t>
-            </a:r>
-            <a:r>
-              <a:rPr lang="en-US" sz="1400" dirty="0" err="1">
-                <a:solidFill>
-                  <a:schemeClr val="tx1"/>
-                </a:solidFill>
-                <a:effectLst/>
-              </a:rPr>
-              <a:t>HelperClass</a:t>
-            </a:r>
-            <a:r>
-              <a:rPr lang="en-US" sz="1400" dirty="0">
-                <a:solidFill>
-                  <a:schemeClr val="tx1"/>
-                </a:solidFill>
-                <a:effectLst/>
-              </a:rPr>
-              <a:t> {</a:t>
-            </a:r>
-            <a:br>
-              <a:rPr lang="en-US" sz="1400" dirty="0">
-                <a:solidFill>
-                  <a:schemeClr val="tx1"/>
-                </a:solidFill>
-                <a:effectLst/>
-              </a:rPr>
-            </a:br>
-            <a:r>
-              <a:rPr lang="en-US" sz="1400" dirty="0">
-                <a:solidFill>
-                  <a:schemeClr val="tx1"/>
-                </a:solidFill>
-                <a:effectLst/>
-              </a:rPr>
-              <a:t>    static void </a:t>
-            </a:r>
-            <a:r>
-              <a:rPr lang="en-US" sz="1400" dirty="0" err="1">
-                <a:solidFill>
-                  <a:schemeClr val="tx1"/>
-                </a:solidFill>
-                <a:effectLst/>
-              </a:rPr>
-              <a:t>sayHello</a:t>
-            </a:r>
-            <a:r>
-              <a:rPr lang="en-US" sz="1400" dirty="0">
-                <a:solidFill>
-                  <a:schemeClr val="tx1"/>
-                </a:solidFill>
-                <a:effectLst/>
-              </a:rPr>
-              <a:t>() {</a:t>
-            </a:r>
-            <a:br>
-              <a:rPr lang="en-US" sz="1400" dirty="0">
-                <a:solidFill>
-                  <a:schemeClr val="tx1"/>
-                </a:solidFill>
-                <a:effectLst/>
-              </a:rPr>
-            </a:br>
-            <a:r>
-              <a:rPr lang="en-US" sz="1400" dirty="0">
-                <a:solidFill>
-                  <a:schemeClr val="tx1"/>
-                </a:solidFill>
-                <a:effectLst/>
-              </a:rPr>
-              <a:t>        </a:t>
-            </a:r>
-            <a:r>
-              <a:rPr lang="en-US" sz="1400" dirty="0" err="1">
-                <a:solidFill>
-                  <a:schemeClr val="tx1"/>
-                </a:solidFill>
-                <a:effectLst/>
-              </a:rPr>
-              <a:t>System.</a:t>
-            </a:r>
-            <a:r>
-              <a:rPr lang="en-US" sz="1400" i="1" dirty="0" err="1">
-                <a:solidFill>
-                  <a:schemeClr val="tx1"/>
-                </a:solidFill>
-                <a:effectLst/>
-              </a:rPr>
-              <a:t>out</a:t>
-            </a:r>
-            <a:r>
-              <a:rPr lang="en-US" sz="1400" dirty="0" err="1">
-                <a:solidFill>
-                  <a:schemeClr val="tx1"/>
-                </a:solidFill>
-                <a:effectLst/>
-              </a:rPr>
-              <a:t>.println</a:t>
-            </a:r>
-            <a:r>
-              <a:rPr lang="en-US" sz="1400" dirty="0">
-                <a:solidFill>
-                  <a:schemeClr val="tx1"/>
-                </a:solidFill>
-                <a:effectLst/>
-              </a:rPr>
-              <a:t>("Hello from </a:t>
-            </a:r>
-            <a:r>
-              <a:rPr lang="en-US" sz="1400" dirty="0" err="1">
-                <a:solidFill>
-                  <a:schemeClr val="tx1"/>
-                </a:solidFill>
-                <a:effectLst/>
-              </a:rPr>
-              <a:t>HelperClass</a:t>
-            </a:r>
-            <a:r>
-              <a:rPr lang="en-US" sz="1400" dirty="0">
-                <a:solidFill>
-                  <a:schemeClr val="tx1"/>
-                </a:solidFill>
-                <a:effectLst/>
-              </a:rPr>
-              <a:t>!");</a:t>
-            </a:r>
-            <a:br>
-              <a:rPr lang="en-US" sz="1400" dirty="0">
-                <a:solidFill>
-                  <a:schemeClr val="tx1"/>
-                </a:solidFill>
-                <a:effectLst/>
-              </a:rPr>
-            </a:br>
-            <a:r>
-              <a:rPr lang="en-US" sz="1400" dirty="0">
-                <a:solidFill>
-                  <a:schemeClr val="tx1"/>
-                </a:solidFill>
-                <a:effectLst/>
-              </a:rPr>
-              <a:t>    }</a:t>
-            </a:r>
-            <a:br>
-              <a:rPr lang="en-US" sz="1400" dirty="0">
-                <a:solidFill>
-                  <a:schemeClr val="tx1"/>
-                </a:solidFill>
-                <a:effectLst/>
-              </a:rPr>
-            </a:br>
-            <a:r>
-              <a:rPr lang="en-US" sz="1400" dirty="0">
-                <a:solidFill>
-                  <a:schemeClr val="tx1"/>
-                </a:solidFill>
-                <a:effectLst/>
-              </a:rPr>
-              <a:t>}</a:t>
-            </a:r>
-            <a:endParaRPr lang="en-US" dirty="0"/>
+              <a:rPr lang="en-US" sz="2400" dirty="0"/>
+              <a:t>Difference between JVM, JRE, and JDK:  </a:t>
+            </a:r>
+          </a:p>
+          <a:p>
+            <a:pPr lvl="1"/>
+            <a:r>
+              <a:rPr lang="en-US" sz="2400" dirty="0"/>
+              <a:t>JVM: Executes Java bytecode. Platform-dependent runtime engine.  </a:t>
+            </a:r>
+          </a:p>
+          <a:p>
+            <a:pPr lvl="1"/>
+            <a:r>
+              <a:rPr lang="en-US" sz="2400" dirty="0"/>
+              <a:t>JRE: Includes JVM + libraries to run Java applications. Used by end-users.  </a:t>
+            </a:r>
+          </a:p>
+          <a:p>
+            <a:pPr lvl="1"/>
+            <a:r>
+              <a:rPr lang="en-US" sz="2400" dirty="0"/>
+              <a:t>JDK: Includes JRE + development tools (e.g., `</a:t>
+            </a:r>
+            <a:r>
+              <a:rPr lang="en-US" sz="2400" dirty="0" err="1"/>
+              <a:t>javac</a:t>
+            </a:r>
+            <a:r>
+              <a:rPr lang="en-US" sz="2400" dirty="0"/>
+              <a:t>`, debugger). Used by developers.  </a:t>
+            </a:r>
+          </a:p>
+          <a:p>
+            <a:endParaRPr lang="en-US" sz="2400" dirty="0"/>
           </a:p>
           <a:p>
             <a:pPr marL="0" indent="0">
               <a:buNone/>
             </a:pPr>
             <a:r>
-              <a:rPr lang="en-US" dirty="0"/>
-              <a:t>	Non-public classes are actually "helper" classes and can only be used from within the same file or package.</a:t>
-            </a:r>
-            <a:br>
-              <a:rPr lang="en-US" dirty="0"/>
-            </a:br>
-            <a:r>
-              <a:rPr lang="en-US" dirty="0"/>
-              <a:t>	Non-public classes </a:t>
-            </a:r>
-            <a:r>
-              <a:rPr lang="en-US" dirty="0">
-                <a:solidFill>
-                  <a:srgbClr val="FF0000"/>
-                </a:solidFill>
-              </a:rPr>
-              <a:t>do not need to match the file name.</a:t>
-            </a:r>
-            <a:br>
-              <a:rPr lang="en-US" dirty="0"/>
-            </a:br>
+              <a:rPr lang="en-US" sz="2400" dirty="0">
+                <a:solidFill>
+                  <a:srgbClr val="903163"/>
+                </a:solidFill>
+              </a:rPr>
+              <a:t>2.</a:t>
+            </a:r>
+            <a:r>
+              <a:rPr lang="en-US" sz="2400" dirty="0"/>
+              <a:t>	Java Program Execution Process:  </a:t>
+            </a:r>
+          </a:p>
+          <a:p>
+            <a:pPr lvl="1"/>
+            <a:r>
+              <a:rPr lang="en-US" sz="2400" dirty="0"/>
+              <a:t>Write `.java` file → Compile with `</a:t>
+            </a:r>
+            <a:r>
+              <a:rPr lang="en-US" sz="2400" dirty="0" err="1"/>
+              <a:t>javac</a:t>
+            </a:r>
+            <a:r>
+              <a:rPr lang="en-US" sz="2400" dirty="0"/>
+              <a:t>` → Generate `.class` (bytecode) → JVM loads, verifies, and executes bytecode.  </a:t>
+            </a:r>
+          </a:p>
+          <a:p>
+            <a:pPr lvl="1"/>
+            <a:r>
+              <a:rPr lang="en-US" sz="2400" dirty="0"/>
+              <a:t>Key Steps: Compilation → Loading → Verification → Execution → Output.</a:t>
+            </a:r>
+          </a:p>
+          <a:p>
+            <a:pPr marL="0" indent="0">
+              <a:buNone/>
+            </a:pPr>
             <a:endParaRPr lang="en-US" dirty="0"/>
           </a:p>
         </p:txBody>
